--- a/cosmic/presentation/cosmic_presentation_yongao.pptx
+++ b/cosmic/presentation/cosmic_presentation_yongao.pptx
@@ -2777,7 +2777,7 @@
               <a:rPr lang="en-US" smtClean="0">
                 <a:latin typeface="Arial" panose="020B0604020202020204" pitchFamily="34" charset="0"/>
               </a:rPr>
-              <a:t>4/27/25</a:t>
+              <a:t>4/29/25</a:t>
             </a:fld>
             <a:endParaRPr lang="en-US" dirty="0">
               <a:latin typeface="Arial" panose="020B0604020202020204" pitchFamily="34" charset="0"/>
@@ -2962,7 +2962,7 @@
           <a:p>
             <a:fld id="{AEE79D00-1CDF-434B-8F0A-8ED0A64E848E}" type="datetimeFigureOut">
               <a:rPr lang="en-US" smtClean="0"/>
-              <a:t>4/27/25</a:t>
+              <a:t>4/29/25</a:t>
             </a:fld>
             <a:endParaRPr lang="en-US"/>
           </a:p>
@@ -16907,7 +16907,7 @@
             <a:fld id="{663B815B-A8F6-D74A-9BCF-ECE7300C0FDA}" type="datetimeFigureOut">
               <a:rPr lang="en-US" smtClean="0"/>
               <a:pPr/>
-              <a:t>4/27/25</a:t>
+              <a:t>4/29/25</a:t>
             </a:fld>
             <a:endParaRPr lang="en-US" dirty="0"/>
           </a:p>
@@ -17508,7 +17508,7 @@
             <a:fld id="{663B815B-A8F6-D74A-9BCF-ECE7300C0FDA}" type="datetimeFigureOut">
               <a:rPr lang="en-US" smtClean="0"/>
               <a:pPr/>
-              <a:t>4/27/25</a:t>
+              <a:t>4/29/25</a:t>
             </a:fld>
             <a:endParaRPr lang="en-US" dirty="0"/>
           </a:p>
@@ -18098,7 +18098,7 @@
             <a:fld id="{663B815B-A8F6-D74A-9BCF-ECE7300C0FDA}" type="datetimeFigureOut">
               <a:rPr lang="en-US" smtClean="0"/>
               <a:pPr/>
-              <a:t>4/27/25</a:t>
+              <a:t>4/29/25</a:t>
             </a:fld>
             <a:endParaRPr lang="en-US" dirty="0"/>
           </a:p>
@@ -18688,7 +18688,7 @@
             <a:fld id="{663B815B-A8F6-D74A-9BCF-ECE7300C0FDA}" type="datetimeFigureOut">
               <a:rPr lang="en-US" smtClean="0"/>
               <a:pPr/>
-              <a:t>4/27/25</a:t>
+              <a:t>4/29/25</a:t>
             </a:fld>
             <a:endParaRPr lang="en-US" dirty="0"/>
           </a:p>
@@ -19415,8 +19415,8 @@
           </a:prstGeom>
         </p:spPr>
       </p:pic>
-      <mc:AlternateContent xmlns:mc="http://schemas.openxmlformats.org/markup-compatibility/2006" xmlns:a14="http://schemas.microsoft.com/office/drawing/2010/main">
-        <mc:Choice Requires="a14">
+      <mc:AlternateContent xmlns:mc="http://schemas.openxmlformats.org/markup-compatibility/2006">
+        <mc:Choice xmlns:a14="http://schemas.microsoft.com/office/drawing/2010/main" Requires="a14">
           <p:sp>
             <p:nvSpPr>
               <p:cNvPr id="5" name="TextBox 4">
@@ -19464,7 +19464,25 @@
                       <a:rPr lang="en-US" sz="2400" i="1" dirty="0" smtClean="0">
                         <a:latin typeface="Cambria Math" panose="02040503050406030204" pitchFamily="18" charset="0"/>
                       </a:rPr>
-                      <m:t>0.99975± 0.00044</m:t>
+                      <m:t>0.999</m:t>
+                    </m:r>
+                    <m:r>
+                      <a:rPr lang="en-US" sz="2400" b="0" i="1" dirty="0" smtClean="0">
+                        <a:latin typeface="Cambria Math" panose="02040503050406030204" pitchFamily="18" charset="0"/>
+                      </a:rPr>
+                      <m:t>82</m:t>
+                    </m:r>
+                    <m:r>
+                      <a:rPr lang="en-US" sz="2400" i="1" dirty="0" smtClean="0">
+                        <a:latin typeface="Cambria Math" panose="02040503050406030204" pitchFamily="18" charset="0"/>
+                      </a:rPr>
+                      <m:t>± 0.000</m:t>
+                    </m:r>
+                    <m:r>
+                      <a:rPr lang="en-US" sz="2400" b="0" i="1" dirty="0" smtClean="0">
+                        <a:latin typeface="Cambria Math" panose="02040503050406030204" pitchFamily="18" charset="0"/>
+                      </a:rPr>
+                      <m:t>85</m:t>
                     </m:r>
                   </m:oMath>
                 </a14:m>
@@ -19478,7 +19496,13 @@
                       <a:rPr lang="en-US" sz="2400" b="0" i="1" smtClean="0">
                         <a:latin typeface="Cambria Math" panose="02040503050406030204" pitchFamily="18" charset="0"/>
                       </a:rPr>
-                      <m:t>0.55</m:t>
+                      <m:t>0.</m:t>
+                    </m:r>
+                    <m:r>
+                      <a:rPr lang="en-US" sz="2400" b="0" i="1" smtClean="0">
+                        <a:latin typeface="Cambria Math" panose="02040503050406030204" pitchFamily="18" charset="0"/>
+                      </a:rPr>
+                      <m:t>21</m:t>
                     </m:r>
                     <m:r>
                       <a:rPr lang="en-US" sz="2400" b="0" i="1" smtClean="0">
@@ -19496,7 +19520,7 @@
             </p:txBody>
           </p:sp>
         </mc:Choice>
-        <mc:Fallback xmlns="">
+        <mc:Fallback>
           <p:sp>
             <p:nvSpPr>
               <p:cNvPr id="5" name="TextBox 4">
@@ -19766,8 +19790,8 @@
           </a:p>
         </p:txBody>
       </p:sp>
-      <mc:AlternateContent xmlns:mc="http://schemas.openxmlformats.org/markup-compatibility/2006" xmlns:a14="http://schemas.microsoft.com/office/drawing/2010/main">
-        <mc:Choice Requires="a14">
+      <mc:AlternateContent xmlns:mc="http://schemas.openxmlformats.org/markup-compatibility/2006">
+        <mc:Choice xmlns:a14="http://schemas.microsoft.com/office/drawing/2010/main" Requires="a14">
           <p:sp>
             <p:nvSpPr>
               <p:cNvPr id="4" name="TextBox 3">
@@ -19783,7 +19807,7 @@
             <p:spPr>
               <a:xfrm>
                 <a:off x="3544018" y="4070743"/>
-                <a:ext cx="5103961" cy="461665"/>
+                <a:ext cx="4594206" cy="461665"/>
               </a:xfrm>
               <a:prstGeom prst="rect">
                 <a:avLst/>
@@ -19816,7 +19840,14 @@
                         <a:effectLst/>
                         <a:latin typeface="Cambria Math" panose="02040503050406030204" pitchFamily="18" charset="0"/>
                       </a:rPr>
-                      <m:t>1.0396</m:t>
+                      <m:t>1.</m:t>
+                    </m:r>
+                    <m:r>
+                      <a:rPr lang="en-US" sz="2400" b="0" i="1" dirty="0" smtClean="0">
+                        <a:effectLst/>
+                        <a:latin typeface="Cambria Math" panose="02040503050406030204" pitchFamily="18" charset="0"/>
+                      </a:rPr>
+                      <m:t>11</m:t>
                     </m:r>
                   </m:oMath>
                 </a14:m>
@@ -19828,7 +19859,7 @@
             </p:txBody>
           </p:sp>
         </mc:Choice>
-        <mc:Fallback xmlns="">
+        <mc:Fallback>
           <p:sp>
             <p:nvSpPr>
               <p:cNvPr id="4" name="TextBox 3">
@@ -19846,7 +19877,7 @@
             <p:spPr>
               <a:xfrm>
                 <a:off x="3544018" y="4070743"/>
-                <a:ext cx="5103961" cy="461665"/>
+                <a:ext cx="4594206" cy="461665"/>
               </a:xfrm>
               <a:prstGeom prst="rect">
                 <a:avLst/>
@@ -19854,7 +19885,7 @@
               <a:blipFill>
                 <a:blip r:embed="rId3"/>
                 <a:stretch>
-                  <a:fillRect l="-3465" t="-10526" b="-26316"/>
+                  <a:fillRect l="-3857" t="-10526" r="-1377" b="-26316"/>
                 </a:stretch>
               </a:blipFill>
             </p:spPr>
@@ -20023,8 +20054,8 @@
           </a:p>
         </p:txBody>
       </p:sp>
-      <mc:AlternateContent xmlns:mc="http://schemas.openxmlformats.org/markup-compatibility/2006" xmlns:a14="http://schemas.microsoft.com/office/drawing/2010/main">
-        <mc:Choice Requires="a14">
+      <mc:AlternateContent xmlns:mc="http://schemas.openxmlformats.org/markup-compatibility/2006">
+        <mc:Choice xmlns:a14="http://schemas.microsoft.com/office/drawing/2010/main" Requires="a14">
           <p:sp>
             <p:nvSpPr>
               <p:cNvPr id="3" name="TextBox 2">
@@ -20142,7 +20173,14 @@
                         <a:latin typeface="Cambria Math" panose="02040503050406030204" pitchFamily="18" charset="0"/>
                         <a:cs typeface="Arial" panose="020B0604020202020204" pitchFamily="34" charset="0"/>
                       </a:rPr>
-                      <m:t>≈381.5</m:t>
+                      <m:t>≈</m:t>
+                    </m:r>
+                    <m:r>
+                      <a:rPr lang="en-US" sz="2100" b="0" i="1" smtClean="0">
+                        <a:latin typeface="Cambria Math" panose="02040503050406030204" pitchFamily="18" charset="0"/>
+                        <a:cs typeface="Arial" panose="020B0604020202020204" pitchFamily="34" charset="0"/>
+                      </a:rPr>
+                      <m:t>258</m:t>
                     </m:r>
                   </m:oMath>
                 </a14:m>
@@ -20174,7 +20212,7 @@
             </p:txBody>
           </p:sp>
         </mc:Choice>
-        <mc:Fallback xmlns="">
+        <mc:Fallback>
           <p:sp>
             <p:nvSpPr>
               <p:cNvPr id="3" name="TextBox 2">
@@ -20219,8 +20257,8 @@
           </p:sp>
         </mc:Fallback>
       </mc:AlternateContent>
-      <mc:AlternateContent xmlns:mc="http://schemas.openxmlformats.org/markup-compatibility/2006" xmlns:a14="http://schemas.microsoft.com/office/drawing/2010/main">
-        <mc:Choice Requires="a14">
+      <mc:AlternateContent xmlns:mc="http://schemas.openxmlformats.org/markup-compatibility/2006">
+        <mc:Choice xmlns:a14="http://schemas.microsoft.com/office/drawing/2010/main" Requires="a14">
           <p:sp>
             <p:nvSpPr>
               <p:cNvPr id="5" name="TextBox 4">
@@ -20265,10 +20303,16 @@
                 <a14:m>
                   <m:oMath xmlns:m="http://schemas.openxmlformats.org/officeDocument/2006/math">
                     <m:r>
+                      <a:rPr lang="en-US" sz="2400" i="1" dirty="0">
+                        <a:latin typeface="Cambria Math" panose="02040503050406030204" pitchFamily="18" charset="0"/>
+                      </a:rPr>
+                      <m:t>2</m:t>
+                    </m:r>
+                    <m:r>
                       <a:rPr lang="en-US" sz="2400" b="0" i="1" dirty="0" smtClean="0">
                         <a:latin typeface="Cambria Math" panose="02040503050406030204" pitchFamily="18" charset="0"/>
                       </a:rPr>
-                      <m:t>615</m:t>
+                      <m:t>58</m:t>
                     </m:r>
                     <m:r>
                       <a:rPr lang="en-US" sz="2400" i="1" dirty="0" smtClean="0">
@@ -20280,7 +20324,7 @@
                       <a:rPr lang="en-US" sz="2400" b="0" i="1" dirty="0" smtClean="0">
                         <a:latin typeface="Cambria Math" panose="02040503050406030204" pitchFamily="18" charset="0"/>
                       </a:rPr>
-                      <m:t>2</m:t>
+                      <m:t>1</m:t>
                     </m:r>
                   </m:oMath>
                 </a14:m>
@@ -20289,7 +20333,7 @@
             </p:txBody>
           </p:sp>
         </mc:Choice>
-        <mc:Fallback xmlns="">
+        <mc:Fallback>
           <p:sp>
             <p:nvSpPr>
               <p:cNvPr id="5" name="TextBox 4">
@@ -20567,38 +20611,8 @@
           </a:p>
         </p:txBody>
       </p:sp>
-      <p:pic>
-        <p:nvPicPr>
-          <p:cNvPr id="5" name="Picture 4" descr="A graph of a line graph&#10;&#10;AI-generated content may be incorrect.">
-            <a:extLst>
-              <a:ext uri="{FF2B5EF4-FFF2-40B4-BE49-F238E27FC236}">
-                <a16:creationId xmlns:a16="http://schemas.microsoft.com/office/drawing/2014/main" id="{7BC5A5A4-D54F-3E8C-7B4C-D76994CAD9E8}"/>
-              </a:ext>
-            </a:extLst>
-          </p:cNvPr>
-          <p:cNvPicPr>
-            <a:picLocks noChangeAspect="1"/>
-          </p:cNvPicPr>
-          <p:nvPr/>
-        </p:nvPicPr>
-        <p:blipFill>
-          <a:blip r:embed="rId3"/>
-          <a:stretch>
-            <a:fillRect/>
-          </a:stretch>
-        </p:blipFill>
-        <p:spPr>
-          <a:xfrm>
-            <a:off x="2945843" y="1034651"/>
-            <a:ext cx="6300313" cy="4725235"/>
-          </a:xfrm>
-          <a:prstGeom prst="rect">
-            <a:avLst/>
-          </a:prstGeom>
-        </p:spPr>
-      </p:pic>
-      <mc:AlternateContent xmlns:mc="http://schemas.openxmlformats.org/markup-compatibility/2006" xmlns:a14="http://schemas.microsoft.com/office/drawing/2010/main">
-        <mc:Choice Requires="a14">
+      <mc:AlternateContent xmlns:mc="http://schemas.openxmlformats.org/markup-compatibility/2006">
+        <mc:Choice xmlns:a14="http://schemas.microsoft.com/office/drawing/2010/main" Requires="a14">
           <p:sp>
             <p:nvSpPr>
               <p:cNvPr id="6" name="TextBox 5">
@@ -20640,7 +20654,28 @@
                         <a:effectLst/>
                         <a:latin typeface="Cambria Math" panose="02040503050406030204" pitchFamily="18" charset="0"/>
                       </a:rPr>
-                      <m:t>−0.00037± 0.00026</m:t>
+                      <m:t>−0.000</m:t>
+                    </m:r>
+                    <m:r>
+                      <a:rPr lang="en-US" sz="2400" b="0" i="1" dirty="0" smtClean="0">
+                        <a:effectLst/>
+                        <a:latin typeface="Cambria Math" panose="02040503050406030204" pitchFamily="18" charset="0"/>
+                      </a:rPr>
+                      <m:t>72</m:t>
+                    </m:r>
+                    <m:r>
+                      <a:rPr lang="en-US" sz="2400" i="1" dirty="0" smtClean="0">
+                        <a:effectLst/>
+                        <a:latin typeface="Cambria Math" panose="02040503050406030204" pitchFamily="18" charset="0"/>
+                      </a:rPr>
+                      <m:t>± 0.000</m:t>
+                    </m:r>
+                    <m:r>
+                      <a:rPr lang="en-US" sz="2400" b="0" i="1" dirty="0" smtClean="0">
+                        <a:effectLst/>
+                        <a:latin typeface="Cambria Math" panose="02040503050406030204" pitchFamily="18" charset="0"/>
+                      </a:rPr>
+                      <m:t>51</m:t>
                     </m:r>
                   </m:oMath>
                 </a14:m>
@@ -20658,7 +20693,14 @@
                         <a:effectLst/>
                         <a:latin typeface="Cambria Math" panose="02040503050406030204" pitchFamily="18" charset="0"/>
                       </a:rPr>
-                      <m:t>1.44</m:t>
+                      <m:t>1.4</m:t>
+                    </m:r>
+                    <m:r>
+                      <a:rPr lang="en-US" sz="2400" b="0" i="1" smtClean="0">
+                        <a:effectLst/>
+                        <a:latin typeface="Cambria Math" panose="02040503050406030204" pitchFamily="18" charset="0"/>
+                      </a:rPr>
+                      <m:t>0</m:t>
                     </m:r>
                     <m:r>
                       <a:rPr lang="en-US" sz="2400" b="0" i="1" smtClean="0">
@@ -20680,7 +20722,7 @@
             </p:txBody>
           </p:sp>
         </mc:Choice>
-        <mc:Fallback xmlns="">
+        <mc:Fallback>
           <p:sp>
             <p:nvSpPr>
               <p:cNvPr id="6" name="TextBox 5">
@@ -20704,7 +20746,7 @@
                 <a:avLst/>
               </a:prstGeom>
               <a:blipFill>
-                <a:blip r:embed="rId4"/>
+                <a:blip r:embed="rId3"/>
                 <a:stretch>
                   <a:fillRect l="-1928" t="-10811" r="-1102" b="-29730"/>
                 </a:stretch>
@@ -20725,6 +20767,36 @@
           </p:sp>
         </mc:Fallback>
       </mc:AlternateContent>
+      <p:pic>
+        <p:nvPicPr>
+          <p:cNvPr id="4" name="Picture 3" descr="A graph of a line graph&#10;&#10;AI-generated content may be incorrect.">
+            <a:extLst>
+              <a:ext uri="{FF2B5EF4-FFF2-40B4-BE49-F238E27FC236}">
+                <a16:creationId xmlns:a16="http://schemas.microsoft.com/office/drawing/2014/main" id="{570B52D9-FA91-64A9-A994-C638D3D785A6}"/>
+              </a:ext>
+            </a:extLst>
+          </p:cNvPr>
+          <p:cNvPicPr>
+            <a:picLocks noChangeAspect="1"/>
+          </p:cNvPicPr>
+          <p:nvPr/>
+        </p:nvPicPr>
+        <p:blipFill>
+          <a:blip r:embed="rId4"/>
+          <a:stretch>
+            <a:fillRect/>
+          </a:stretch>
+        </p:blipFill>
+        <p:spPr>
+          <a:xfrm>
+            <a:off x="2993134" y="1101852"/>
+            <a:ext cx="6205728" cy="4654296"/>
+          </a:xfrm>
+          <a:prstGeom prst="rect">
+            <a:avLst/>
+          </a:prstGeom>
+        </p:spPr>
+      </p:pic>
     </p:spTree>
     <p:extLst>
       <p:ext uri="{BB962C8B-B14F-4D97-AF65-F5344CB8AC3E}">
@@ -20769,7 +20841,7 @@
                                           </p:stCondLst>
                                         </p:cTn>
                                         <p:tgtEl>
-                                          <p:spTgt spid="5"/>
+                                          <p:spTgt spid="4"/>
                                         </p:tgtEl>
                                         <p:attrNameLst>
                                           <p:attrName>style.visibility</p:attrName>
@@ -20783,7 +20855,7 @@
                                       <p:cBhvr>
                                         <p:cTn id="7" dur="500"/>
                                         <p:tgtEl>
-                                          <p:spTgt spid="5"/>
+                                          <p:spTgt spid="4"/>
                                         </p:tgtEl>
                                       </p:cBhvr>
                                     </p:animEffect>
@@ -21148,7 +21220,13 @@
                       <a:rPr lang="en-US" b="0" i="1" dirty="0" smtClean="0">
                         <a:latin typeface="Cambria Math" panose="02040503050406030204" pitchFamily="18" charset="0"/>
                       </a:rPr>
-                      <m:t>.39</m:t>
+                      <m:t>.</m:t>
+                    </m:r>
+                    <m:r>
+                      <a:rPr lang="en-US" b="0" i="1" dirty="0" smtClean="0">
+                        <a:latin typeface="Cambria Math" panose="02040503050406030204" pitchFamily="18" charset="0"/>
+                      </a:rPr>
+                      <m:t>40</m:t>
                     </m:r>
                     <m:r>
                       <a:rPr lang="en-US" b="0" i="1" smtClean="0">
@@ -21213,10 +21291,10 @@
       </mc:AlternateContent>
       <p:pic>
         <p:nvPicPr>
-          <p:cNvPr id="8" name="Picture 7" descr="A graph of a line graph&#10;&#10;AI-generated content may be incorrect.">
-            <a:extLst>
-              <a:ext uri="{FF2B5EF4-FFF2-40B4-BE49-F238E27FC236}">
-                <a16:creationId xmlns:a16="http://schemas.microsoft.com/office/drawing/2014/main" id="{ED020093-B33D-1982-7841-7C42B88EF5F0}"/>
+          <p:cNvPr id="4" name="Picture 3">
+            <a:extLst>
+              <a:ext uri="{FF2B5EF4-FFF2-40B4-BE49-F238E27FC236}">
+                <a16:creationId xmlns:a16="http://schemas.microsoft.com/office/drawing/2014/main" id="{601374F3-0A91-F830-0C45-9D549BB2C0C1}"/>
               </a:ext>
             </a:extLst>
           </p:cNvPr>
@@ -21233,68 +21311,8 @@
         </p:blipFill>
         <p:spPr>
           <a:xfrm>
-            <a:off x="7965507" y="4008995"/>
-            <a:ext cx="3371939" cy="2528954"/>
-          </a:xfrm>
-          <a:prstGeom prst="rect">
-            <a:avLst/>
-          </a:prstGeom>
-        </p:spPr>
-      </p:pic>
-      <p:pic>
-        <p:nvPicPr>
-          <p:cNvPr id="9" name="Picture 8" descr="A graph of a number of blue bars&#10;&#10;AI-generated content may be incorrect.">
-            <a:extLst>
-              <a:ext uri="{FF2B5EF4-FFF2-40B4-BE49-F238E27FC236}">
-                <a16:creationId xmlns:a16="http://schemas.microsoft.com/office/drawing/2014/main" id="{1174897E-AFD0-5264-ED45-A4DC41960CEC}"/>
-              </a:ext>
-            </a:extLst>
-          </p:cNvPr>
-          <p:cNvPicPr>
-            <a:picLocks noChangeAspect="1"/>
-          </p:cNvPicPr>
-          <p:nvPr/>
-        </p:nvPicPr>
-        <p:blipFill>
-          <a:blip r:embed="rId5"/>
-          <a:stretch>
-            <a:fillRect/>
-          </a:stretch>
-        </p:blipFill>
-        <p:spPr>
-          <a:xfrm>
-            <a:off x="7965507" y="1480041"/>
-            <a:ext cx="3371938" cy="2528954"/>
-          </a:xfrm>
-          <a:prstGeom prst="rect">
-            <a:avLst/>
-          </a:prstGeom>
-        </p:spPr>
-      </p:pic>
-      <p:pic>
-        <p:nvPicPr>
-          <p:cNvPr id="16" name="Picture 15">
-            <a:extLst>
-              <a:ext uri="{FF2B5EF4-FFF2-40B4-BE49-F238E27FC236}">
-                <a16:creationId xmlns:a16="http://schemas.microsoft.com/office/drawing/2014/main" id="{C5041D97-4984-C2CD-59CC-66B4531B283E}"/>
-              </a:ext>
-            </a:extLst>
-          </p:cNvPr>
-          <p:cNvPicPr>
-            <a:picLocks noChangeAspect="1"/>
-          </p:cNvPicPr>
-          <p:nvPr/>
-        </p:nvPicPr>
-        <p:blipFill>
-          <a:blip r:embed="rId6"/>
-          <a:stretch>
-            <a:fillRect/>
-          </a:stretch>
-        </p:blipFill>
-        <p:spPr>
-          <a:xfrm>
-            <a:off x="639450" y="2376259"/>
-            <a:ext cx="7174088" cy="2558021"/>
+            <a:off x="1568098" y="2083372"/>
+            <a:ext cx="9055801" cy="3143795"/>
           </a:xfrm>
           <a:prstGeom prst="rect">
             <a:avLst/>
@@ -22537,10 +22555,10 @@
       </p:sp>
       <p:pic>
         <p:nvPicPr>
-          <p:cNvPr id="6" name="Picture 5" descr="A graph with red and blue bars&#10;&#10;AI-generated content may be incorrect.">
-            <a:extLst>
-              <a:ext uri="{FF2B5EF4-FFF2-40B4-BE49-F238E27FC236}">
-                <a16:creationId xmlns:a16="http://schemas.microsoft.com/office/drawing/2014/main" id="{0A4F5557-599A-3B2F-DC27-40A29CB3276D}"/>
+          <p:cNvPr id="9" name="Picture 8">
+            <a:extLst>
+              <a:ext uri="{FF2B5EF4-FFF2-40B4-BE49-F238E27FC236}">
+                <a16:creationId xmlns:a16="http://schemas.microsoft.com/office/drawing/2014/main" id="{F45D4854-A3AA-2A33-EB8E-50D7C75B47A9}"/>
               </a:ext>
             </a:extLst>
           </p:cNvPr>
@@ -22551,66 +22569,6 @@
         </p:nvPicPr>
         <p:blipFill>
           <a:blip r:embed="rId3"/>
-          <a:stretch>
-            <a:fillRect/>
-          </a:stretch>
-        </p:blipFill>
-        <p:spPr>
-          <a:xfrm>
-            <a:off x="323993" y="1539240"/>
-            <a:ext cx="5831840" cy="4373880"/>
-          </a:xfrm>
-          <a:prstGeom prst="rect">
-            <a:avLst/>
-          </a:prstGeom>
-        </p:spPr>
-      </p:pic>
-      <p:pic>
-        <p:nvPicPr>
-          <p:cNvPr id="8" name="Picture 7" descr="A graph of a running frequency&#10;&#10;AI-generated content may be incorrect.">
-            <a:extLst>
-              <a:ext uri="{FF2B5EF4-FFF2-40B4-BE49-F238E27FC236}">
-                <a16:creationId xmlns:a16="http://schemas.microsoft.com/office/drawing/2014/main" id="{7FCF5D74-F248-54E4-DC21-A56D1CB4D906}"/>
-              </a:ext>
-            </a:extLst>
-          </p:cNvPr>
-          <p:cNvPicPr>
-            <a:picLocks noChangeAspect="1"/>
-          </p:cNvPicPr>
-          <p:nvPr/>
-        </p:nvPicPr>
-        <p:blipFill>
-          <a:blip r:embed="rId4"/>
-          <a:stretch>
-            <a:fillRect/>
-          </a:stretch>
-        </p:blipFill>
-        <p:spPr>
-          <a:xfrm>
-            <a:off x="6155833" y="1539240"/>
-            <a:ext cx="5831840" cy="4373880"/>
-          </a:xfrm>
-          <a:prstGeom prst="rect">
-            <a:avLst/>
-          </a:prstGeom>
-        </p:spPr>
-      </p:pic>
-      <p:pic>
-        <p:nvPicPr>
-          <p:cNvPr id="9" name="Picture 8">
-            <a:extLst>
-              <a:ext uri="{FF2B5EF4-FFF2-40B4-BE49-F238E27FC236}">
-                <a16:creationId xmlns:a16="http://schemas.microsoft.com/office/drawing/2014/main" id="{F45D4854-A3AA-2A33-EB8E-50D7C75B47A9}"/>
-              </a:ext>
-            </a:extLst>
-          </p:cNvPr>
-          <p:cNvPicPr>
-            <a:picLocks noChangeAspect="1"/>
-          </p:cNvPicPr>
-          <p:nvPr/>
-        </p:nvPicPr>
-        <p:blipFill>
-          <a:blip r:embed="rId5"/>
           <a:stretch>
             <a:fillRect/>
           </a:stretch>
@@ -22625,8 +22583,8 @@
           </a:prstGeom>
         </p:spPr>
       </p:pic>
-      <mc:AlternateContent xmlns:mc="http://schemas.openxmlformats.org/markup-compatibility/2006" xmlns:a14="http://schemas.microsoft.com/office/drawing/2010/main">
-        <mc:Choice Requires="a14">
+      <mc:AlternateContent xmlns:mc="http://schemas.openxmlformats.org/markup-compatibility/2006">
+        <mc:Choice xmlns:a14="http://schemas.microsoft.com/office/drawing/2010/main" Requires="a14">
           <p:sp>
             <p:nvSpPr>
               <p:cNvPr id="10" name="TextBox 9">
@@ -22642,7 +22600,7 @@
             <p:spPr>
               <a:xfrm>
                 <a:off x="2091666" y="5913120"/>
-                <a:ext cx="8008667" cy="461665"/>
+                <a:ext cx="7498912" cy="461665"/>
               </a:xfrm>
               <a:prstGeom prst="rect">
                 <a:avLst/>
@@ -22675,7 +22633,28 @@
                         <a:effectLst/>
                         <a:latin typeface="Cambria Math" panose="02040503050406030204" pitchFamily="18" charset="0"/>
                       </a:rPr>
-                      <m:t>0.50925 ± 0.0073</m:t>
+                      <m:t>0.50</m:t>
+                    </m:r>
+                    <m:r>
+                      <a:rPr lang="en-US" sz="2400" b="0" i="1" dirty="0" smtClean="0">
+                        <a:effectLst/>
+                        <a:latin typeface="Cambria Math" panose="02040503050406030204" pitchFamily="18" charset="0"/>
+                      </a:rPr>
+                      <m:t>8</m:t>
+                    </m:r>
+                    <m:r>
+                      <a:rPr lang="en-US" sz="2400" i="1" dirty="0" smtClean="0">
+                        <a:effectLst/>
+                        <a:latin typeface="Cambria Math" panose="02040503050406030204" pitchFamily="18" charset="0"/>
+                      </a:rPr>
+                      <m:t> ± 0.0</m:t>
+                    </m:r>
+                    <m:r>
+                      <a:rPr lang="en-US" sz="2400" b="0" i="1" dirty="0" smtClean="0">
+                        <a:effectLst/>
+                        <a:latin typeface="Cambria Math" panose="02040503050406030204" pitchFamily="18" charset="0"/>
+                      </a:rPr>
+                      <m:t>12</m:t>
                     </m:r>
                   </m:oMath>
                 </a14:m>
@@ -22689,11 +22668,16 @@
                 <a14:m>
                   <m:oMath xmlns:m="http://schemas.openxmlformats.org/officeDocument/2006/math">
                     <m:r>
-                      <a:rPr lang="en-US" sz="2400" b="0" i="1" smtClean="0">
-                        <a:effectLst/>
+                      <a:rPr lang="en-US" sz="2400" i="1">
                         <a:latin typeface="Cambria Math" panose="02040503050406030204" pitchFamily="18" charset="0"/>
                       </a:rPr>
-                      <m:t>1.27</m:t>
+                      <m:t>0</m:t>
+                    </m:r>
+                    <m:r>
+                      <a:rPr lang="en-US" sz="2400" b="0" i="1" smtClean="0">
+                        <a:latin typeface="Cambria Math" panose="02040503050406030204" pitchFamily="18" charset="0"/>
+                      </a:rPr>
+                      <m:t>.64</m:t>
                     </m:r>
                     <m:r>
                       <a:rPr lang="en-US" sz="2400" b="0" i="1" smtClean="0">
@@ -22715,7 +22699,7 @@
             </p:txBody>
           </p:sp>
         </mc:Choice>
-        <mc:Fallback xmlns="">
+        <mc:Fallback>
           <p:sp>
             <p:nvSpPr>
               <p:cNvPr id="10" name="TextBox 9">
@@ -22733,15 +22717,15 @@
             <p:spPr>
               <a:xfrm>
                 <a:off x="2091666" y="5913120"/>
-                <a:ext cx="8008667" cy="461665"/>
+                <a:ext cx="7498912" cy="461665"/>
               </a:xfrm>
               <a:prstGeom prst="rect">
                 <a:avLst/>
               </a:prstGeom>
               <a:blipFill>
-                <a:blip r:embed="rId6"/>
+                <a:blip r:embed="rId4"/>
                 <a:stretch>
-                  <a:fillRect l="-2373" t="-10526" r="-1424" b="-28947"/>
+                  <a:fillRect l="-2534" t="-10526" r="-1520" b="-28947"/>
                 </a:stretch>
               </a:blipFill>
             </p:spPr>
@@ -22775,7 +22759,7 @@
           <p:nvPr/>
         </p:nvPicPr>
         <p:blipFill>
-          <a:blip r:embed="rId7"/>
+          <a:blip r:embed="rId5"/>
           <a:stretch>
             <a:fillRect/>
           </a:stretch>
@@ -22784,6 +22768,66 @@
           <a:xfrm>
             <a:off x="7039707" y="739140"/>
             <a:ext cx="1358900" cy="800100"/>
+          </a:xfrm>
+          <a:prstGeom prst="rect">
+            <a:avLst/>
+          </a:prstGeom>
+        </p:spPr>
+      </p:pic>
+      <p:pic>
+        <p:nvPicPr>
+          <p:cNvPr id="4" name="Picture 3" descr="A graph of a red and blue bar graph&#10;&#10;AI-generated content may be incorrect.">
+            <a:extLst>
+              <a:ext uri="{FF2B5EF4-FFF2-40B4-BE49-F238E27FC236}">
+                <a16:creationId xmlns:a16="http://schemas.microsoft.com/office/drawing/2014/main" id="{94F2AE71-A26A-0B65-0519-A1676480DD8F}"/>
+              </a:ext>
+            </a:extLst>
+          </p:cNvPr>
+          <p:cNvPicPr>
+            <a:picLocks noChangeAspect="1"/>
+          </p:cNvPicPr>
+          <p:nvPr/>
+        </p:nvPicPr>
+        <p:blipFill>
+          <a:blip r:embed="rId6"/>
+          <a:stretch>
+            <a:fillRect/>
+          </a:stretch>
+        </p:blipFill>
+        <p:spPr>
+          <a:xfrm>
+            <a:off x="355599" y="1590675"/>
+            <a:ext cx="5740400" cy="4305300"/>
+          </a:xfrm>
+          <a:prstGeom prst="rect">
+            <a:avLst/>
+          </a:prstGeom>
+        </p:spPr>
+      </p:pic>
+      <p:pic>
+        <p:nvPicPr>
+          <p:cNvPr id="7" name="Picture 6" descr="A graph showing a number of events&#10;&#10;AI-generated content may be incorrect.">
+            <a:extLst>
+              <a:ext uri="{FF2B5EF4-FFF2-40B4-BE49-F238E27FC236}">
+                <a16:creationId xmlns:a16="http://schemas.microsoft.com/office/drawing/2014/main" id="{A76944D5-DDFE-A3B4-EF56-555F7B270E71}"/>
+              </a:ext>
+            </a:extLst>
+          </p:cNvPr>
+          <p:cNvPicPr>
+            <a:picLocks noChangeAspect="1"/>
+          </p:cNvPicPr>
+          <p:nvPr/>
+        </p:nvPicPr>
+        <p:blipFill>
+          <a:blip r:embed="rId7"/>
+          <a:stretch>
+            <a:fillRect/>
+          </a:stretch>
+        </p:blipFill>
+        <p:spPr>
+          <a:xfrm>
+            <a:off x="6096001" y="1590675"/>
+            <a:ext cx="5740400" cy="4305300"/>
           </a:xfrm>
           <a:prstGeom prst="rect">
             <a:avLst/>
@@ -22834,7 +22878,7 @@
                                           </p:stCondLst>
                                         </p:cTn>
                                         <p:tgtEl>
-                                          <p:spTgt spid="6"/>
+                                          <p:spTgt spid="4"/>
                                         </p:tgtEl>
                                         <p:attrNameLst>
                                           <p:attrName>style.visibility</p:attrName>
@@ -22848,7 +22892,7 @@
                                       <p:cBhvr>
                                         <p:cTn id="7" dur="500"/>
                                         <p:tgtEl>
-                                          <p:spTgt spid="6"/>
+                                          <p:spTgt spid="4"/>
                                         </p:tgtEl>
                                       </p:cBhvr>
                                     </p:animEffect>
@@ -22869,7 +22913,7 @@
                                           </p:stCondLst>
                                         </p:cTn>
                                         <p:tgtEl>
-                                          <p:spTgt spid="8"/>
+                                          <p:spTgt spid="7"/>
                                         </p:tgtEl>
                                         <p:attrNameLst>
                                           <p:attrName>style.visibility</p:attrName>
@@ -22883,7 +22927,7 @@
                                       <p:cBhvr>
                                         <p:cTn id="10" dur="500"/>
                                         <p:tgtEl>
-                                          <p:spTgt spid="8"/>
+                                          <p:spTgt spid="7"/>
                                         </p:tgtEl>
                                       </p:cBhvr>
                                     </p:animEffect>
@@ -23162,10 +23206,10 @@
       </p:sp>
       <p:pic>
         <p:nvPicPr>
-          <p:cNvPr id="5" name="Picture 4" descr="A graph of a number of blue bars&#10;&#10;AI-generated content may be incorrect.">
-            <a:extLst>
-              <a:ext uri="{FF2B5EF4-FFF2-40B4-BE49-F238E27FC236}">
-                <a16:creationId xmlns:a16="http://schemas.microsoft.com/office/drawing/2014/main" id="{FB6CEC48-1C83-2051-3F93-E9702427E960}"/>
+          <p:cNvPr id="6" name="Picture 5" descr="A graph of a number of blue bars&#10;&#10;AI-generated content may be incorrect.">
+            <a:extLst>
+              <a:ext uri="{FF2B5EF4-FFF2-40B4-BE49-F238E27FC236}">
+                <a16:creationId xmlns:a16="http://schemas.microsoft.com/office/drawing/2014/main" id="{7E21BCC2-F267-CD6D-D7E0-3187D5D72DDB}"/>
               </a:ext>
             </a:extLst>
           </p:cNvPr>
@@ -23182,8 +23226,8 @@
         </p:blipFill>
         <p:spPr>
           <a:xfrm>
-            <a:off x="323993" y="2302510"/>
-            <a:ext cx="5394960" cy="4046220"/>
+            <a:off x="669538" y="2523381"/>
+            <a:ext cx="4968240" cy="3726180"/>
           </a:xfrm>
           <a:prstGeom prst="rect">
             <a:avLst/>
@@ -23192,10 +23236,10 @@
       </p:pic>
       <p:pic>
         <p:nvPicPr>
-          <p:cNvPr id="9" name="Picture 8" descr="A graph with lines and numbers&#10;&#10;AI-generated content may be incorrect.">
-            <a:extLst>
-              <a:ext uri="{FF2B5EF4-FFF2-40B4-BE49-F238E27FC236}">
-                <a16:creationId xmlns:a16="http://schemas.microsoft.com/office/drawing/2014/main" id="{98A94BBF-739A-C1C2-BDD1-28F060ACF6B9}"/>
+          <p:cNvPr id="8" name="Picture 7" descr="A graph of a number of numbers&#10;&#10;AI-generated content may be incorrect.">
+            <a:extLst>
+              <a:ext uri="{FF2B5EF4-FFF2-40B4-BE49-F238E27FC236}">
+                <a16:creationId xmlns:a16="http://schemas.microsoft.com/office/drawing/2014/main" id="{97FD60F5-ED57-5C3E-FE54-D0A0705BF0C0}"/>
               </a:ext>
             </a:extLst>
           </p:cNvPr>
@@ -23212,8 +23256,8 @@
         </p:blipFill>
         <p:spPr>
           <a:xfrm>
-            <a:off x="5890001" y="2568428"/>
-            <a:ext cx="5978006" cy="2989003"/>
+            <a:off x="5883661" y="2976771"/>
+            <a:ext cx="5638800" cy="2819400"/>
           </a:xfrm>
           <a:prstGeom prst="rect">
             <a:avLst/>
@@ -23230,124 +23274,6 @@
   <p:clrMapOvr>
     <a:masterClrMapping/>
   </p:clrMapOvr>
-  <p:timing>
-    <p:tnLst>
-      <p:par>
-        <p:cTn id="1" dur="indefinite" restart="never" nodeType="tmRoot">
-          <p:childTnLst>
-            <p:seq concurrent="1" nextAc="seek">
-              <p:cTn id="2" dur="indefinite" nodeType="mainSeq">
-                <p:childTnLst>
-                  <p:par>
-                    <p:cTn id="3" fill="hold">
-                      <p:stCondLst>
-                        <p:cond delay="indefinite"/>
-                      </p:stCondLst>
-                      <p:childTnLst>
-                        <p:par>
-                          <p:cTn id="4" fill="hold">
-                            <p:stCondLst>
-                              <p:cond delay="0"/>
-                            </p:stCondLst>
-                            <p:childTnLst>
-                              <p:par>
-                                <p:cTn id="5" presetID="10" presetClass="entr" presetSubtype="0" fill="hold" nodeType="clickEffect">
-                                  <p:stCondLst>
-                                    <p:cond delay="0"/>
-                                  </p:stCondLst>
-                                  <p:childTnLst>
-                                    <p:set>
-                                      <p:cBhvr>
-                                        <p:cTn id="6" dur="1" fill="hold">
-                                          <p:stCondLst>
-                                            <p:cond delay="0"/>
-                                          </p:stCondLst>
-                                        </p:cTn>
-                                        <p:tgtEl>
-                                          <p:spTgt spid="5"/>
-                                        </p:tgtEl>
-                                        <p:attrNameLst>
-                                          <p:attrName>style.visibility</p:attrName>
-                                        </p:attrNameLst>
-                                      </p:cBhvr>
-                                      <p:to>
-                                        <p:strVal val="visible"/>
-                                      </p:to>
-                                    </p:set>
-                                    <p:animEffect transition="in" filter="fade">
-                                      <p:cBhvr>
-                                        <p:cTn id="7" dur="500"/>
-                                        <p:tgtEl>
-                                          <p:spTgt spid="5"/>
-                                        </p:tgtEl>
-                                      </p:cBhvr>
-                                    </p:animEffect>
-                                  </p:childTnLst>
-                                </p:cTn>
-                              </p:par>
-                              <p:par>
-                                <p:cTn id="8" presetID="10" presetClass="entr" presetSubtype="0" fill="hold" nodeType="withEffect">
-                                  <p:stCondLst>
-                                    <p:cond delay="0"/>
-                                  </p:stCondLst>
-                                  <p:childTnLst>
-                                    <p:set>
-                                      <p:cBhvr>
-                                        <p:cTn id="9" dur="1" fill="hold">
-                                          <p:stCondLst>
-                                            <p:cond delay="0"/>
-                                          </p:stCondLst>
-                                        </p:cTn>
-                                        <p:tgtEl>
-                                          <p:spTgt spid="9"/>
-                                        </p:tgtEl>
-                                        <p:attrNameLst>
-                                          <p:attrName>style.visibility</p:attrName>
-                                        </p:attrNameLst>
-                                      </p:cBhvr>
-                                      <p:to>
-                                        <p:strVal val="visible"/>
-                                      </p:to>
-                                    </p:set>
-                                    <p:animEffect transition="in" filter="fade">
-                                      <p:cBhvr>
-                                        <p:cTn id="10" dur="500"/>
-                                        <p:tgtEl>
-                                          <p:spTgt spid="9"/>
-                                        </p:tgtEl>
-                                      </p:cBhvr>
-                                    </p:animEffect>
-                                  </p:childTnLst>
-                                </p:cTn>
-                              </p:par>
-                            </p:childTnLst>
-                          </p:cTn>
-                        </p:par>
-                      </p:childTnLst>
-                    </p:cTn>
-                  </p:par>
-                </p:childTnLst>
-              </p:cTn>
-              <p:prevCondLst>
-                <p:cond evt="onPrev" delay="0">
-                  <p:tgtEl>
-                    <p:sldTgt/>
-                  </p:tgtEl>
-                </p:cond>
-              </p:prevCondLst>
-              <p:nextCondLst>
-                <p:cond evt="onNext" delay="0">
-                  <p:tgtEl>
-                    <p:sldTgt/>
-                  </p:tgtEl>
-                </p:cond>
-              </p:nextCondLst>
-            </p:seq>
-          </p:childTnLst>
-        </p:cTn>
-      </p:par>
-    </p:tnLst>
-  </p:timing>
 </p:sld>
 </file>
 
@@ -23467,38 +23393,8 @@
           </a:prstGeom>
         </p:spPr>
       </p:pic>
-      <p:pic>
-        <p:nvPicPr>
-          <p:cNvPr id="8" name="Picture 7" descr="A graph with blue and red lines&#10;&#10;AI-generated content may be incorrect.">
-            <a:extLst>
-              <a:ext uri="{FF2B5EF4-FFF2-40B4-BE49-F238E27FC236}">
-                <a16:creationId xmlns:a16="http://schemas.microsoft.com/office/drawing/2014/main" id="{57DD4214-629D-75C2-94A6-5A7458669F13}"/>
-              </a:ext>
-            </a:extLst>
-          </p:cNvPr>
-          <p:cNvPicPr>
-            <a:picLocks noChangeAspect="1"/>
-          </p:cNvPicPr>
-          <p:nvPr/>
-        </p:nvPicPr>
-        <p:blipFill>
-          <a:blip r:embed="rId5"/>
-          <a:stretch>
-            <a:fillRect/>
-          </a:stretch>
-        </p:blipFill>
-        <p:spPr>
-          <a:xfrm>
-            <a:off x="3356571" y="1995599"/>
-            <a:ext cx="5478855" cy="4109141"/>
-          </a:xfrm>
-          <a:prstGeom prst="rect">
-            <a:avLst/>
-          </a:prstGeom>
-        </p:spPr>
-      </p:pic>
-      <mc:AlternateContent xmlns:mc="http://schemas.openxmlformats.org/markup-compatibility/2006" xmlns:a14="http://schemas.microsoft.com/office/drawing/2010/main">
-        <mc:Choice Requires="a14">
+      <mc:AlternateContent xmlns:mc="http://schemas.openxmlformats.org/markup-compatibility/2006">
+        <mc:Choice xmlns:a14="http://schemas.microsoft.com/office/drawing/2010/main" Requires="a14">
           <p:sp>
             <p:nvSpPr>
               <p:cNvPr id="10" name="TextBox 9">
@@ -23514,7 +23410,7 @@
             <p:spPr>
               <a:xfrm>
                 <a:off x="1164615" y="5933637"/>
-                <a:ext cx="9862765" cy="490199"/>
+                <a:ext cx="9777805" cy="490199"/>
               </a:xfrm>
               <a:prstGeom prst="rect">
                 <a:avLst/>
@@ -23571,7 +23467,25 @@
                       <a:rPr lang="en-US" sz="2400" dirty="0">
                         <a:latin typeface="Cambria Math" panose="02040503050406030204" pitchFamily="18" charset="0"/>
                       </a:rPr>
-                      <m:t>0.0140 </m:t>
+                      <m:t>0.01</m:t>
+                    </m:r>
+                    <m:r>
+                      <m:rPr>
+                        <m:nor/>
+                      </m:rPr>
+                      <a:rPr lang="en-US" sz="2400" b="0" i="0" dirty="0" smtClean="0">
+                        <a:latin typeface="Cambria Math" panose="02040503050406030204" pitchFamily="18" charset="0"/>
+                      </a:rPr>
+                      <m:t>7</m:t>
+                    </m:r>
+                    <m:r>
+                      <m:rPr>
+                        <m:nor/>
+                      </m:rPr>
+                      <a:rPr lang="en-US" sz="2400" dirty="0">
+                        <a:latin typeface="Cambria Math" panose="02040503050406030204" pitchFamily="18" charset="0"/>
+                      </a:rPr>
+                      <m:t>0 </m:t>
                     </m:r>
                     <m:r>
                       <a:rPr lang="en-US" sz="2400" i="1" dirty="0" smtClean="0">
@@ -23586,7 +23500,16 @@
                       <a:rPr lang="en-US" sz="2400" dirty="0">
                         <a:latin typeface="Cambria Math" panose="02040503050406030204" pitchFamily="18" charset="0"/>
                       </a:rPr>
-                      <m:t> 0.0015</m:t>
+                      <m:t> 0.00</m:t>
+                    </m:r>
+                    <m:r>
+                      <m:rPr>
+                        <m:nor/>
+                      </m:rPr>
+                      <a:rPr lang="en-US" sz="2400" b="0" i="0" dirty="0" smtClean="0">
+                        <a:latin typeface="Cambria Math" panose="02040503050406030204" pitchFamily="18" charset="0"/>
+                      </a:rPr>
+                      <m:t>24</m:t>
                     </m:r>
                   </m:oMath>
                 </a14:m>
@@ -23662,7 +23585,13 @@
                       <a:rPr lang="en-US" sz="2400" b="0" i="1" dirty="0" smtClean="0">
                         <a:latin typeface="Cambria Math" panose="02040503050406030204" pitchFamily="18" charset="0"/>
                       </a:rPr>
-                      <m:t>.52</m:t>
+                      <m:t>.</m:t>
+                    </m:r>
+                    <m:r>
+                      <a:rPr lang="en-US" sz="2400" b="0" i="1" dirty="0" smtClean="0">
+                        <a:latin typeface="Cambria Math" panose="02040503050406030204" pitchFamily="18" charset="0"/>
+                      </a:rPr>
+                      <m:t>06</m:t>
                     </m:r>
                     <m:r>
                       <a:rPr lang="en-US" sz="2400" i="1">
@@ -23696,7 +23625,7 @@
             </p:txBody>
           </p:sp>
         </mc:Choice>
-        <mc:Fallback xmlns="">
+        <mc:Fallback>
           <p:sp>
             <p:nvSpPr>
               <p:cNvPr id="10" name="TextBox 9">
@@ -23714,15 +23643,15 @@
             <p:spPr>
               <a:xfrm>
                 <a:off x="1164615" y="5933637"/>
-                <a:ext cx="9862765" cy="490199"/>
+                <a:ext cx="9777805" cy="490199"/>
               </a:xfrm>
               <a:prstGeom prst="rect">
                 <a:avLst/>
               </a:prstGeom>
               <a:blipFill>
-                <a:blip r:embed="rId6"/>
+                <a:blip r:embed="rId5"/>
                 <a:stretch>
-                  <a:fillRect l="-1928" t="-7692" b="-25641"/>
+                  <a:fillRect l="-1946" t="-7692" b="-25641"/>
                 </a:stretch>
               </a:blipFill>
             </p:spPr>
@@ -23756,7 +23685,7 @@
           <p:nvPr/>
         </p:nvPicPr>
         <p:blipFill>
-          <a:blip r:embed="rId7"/>
+          <a:blip r:embed="rId6"/>
           <a:stretch>
             <a:fillRect/>
           </a:stretch>
@@ -23765,6 +23694,36 @@
           <a:xfrm>
             <a:off x="9240591" y="1241067"/>
             <a:ext cx="1476237" cy="680535"/>
+          </a:xfrm>
+          <a:prstGeom prst="rect">
+            <a:avLst/>
+          </a:prstGeom>
+        </p:spPr>
+      </p:pic>
+      <p:pic>
+        <p:nvPicPr>
+          <p:cNvPr id="5" name="Picture 4" descr="A graph with blue and red dots&#10;&#10;AI-generated content may be incorrect.">
+            <a:extLst>
+              <a:ext uri="{FF2B5EF4-FFF2-40B4-BE49-F238E27FC236}">
+                <a16:creationId xmlns:a16="http://schemas.microsoft.com/office/drawing/2014/main" id="{8A2B07E7-226A-17FC-3FEC-FB5D100E0081}"/>
+              </a:ext>
+            </a:extLst>
+          </p:cNvPr>
+          <p:cNvPicPr>
+            <a:picLocks noChangeAspect="1"/>
+          </p:cNvPicPr>
+          <p:nvPr/>
+        </p:nvPicPr>
+        <p:blipFill>
+          <a:blip r:embed="rId7"/>
+          <a:stretch>
+            <a:fillRect/>
+          </a:stretch>
+        </p:blipFill>
+        <p:spPr>
+          <a:xfrm>
+            <a:off x="3571288" y="2067058"/>
+            <a:ext cx="5049417" cy="3787063"/>
           </a:xfrm>
           <a:prstGeom prst="rect">
             <a:avLst/>
@@ -23830,41 +23789,6 @@
                                         <p:cTn id="7" dur="500"/>
                                         <p:tgtEl>
                                           <p:spTgt spid="10"/>
-                                        </p:tgtEl>
-                                      </p:cBhvr>
-                                    </p:animEffect>
-                                  </p:childTnLst>
-                                </p:cTn>
-                              </p:par>
-                              <p:par>
-                                <p:cTn id="8" presetID="10" presetClass="entr" presetSubtype="0" fill="hold" nodeType="withEffect">
-                                  <p:stCondLst>
-                                    <p:cond delay="0"/>
-                                  </p:stCondLst>
-                                  <p:childTnLst>
-                                    <p:set>
-                                      <p:cBhvr>
-                                        <p:cTn id="9" dur="1" fill="hold">
-                                          <p:stCondLst>
-                                            <p:cond delay="0"/>
-                                          </p:stCondLst>
-                                        </p:cTn>
-                                        <p:tgtEl>
-                                          <p:spTgt spid="8"/>
-                                        </p:tgtEl>
-                                        <p:attrNameLst>
-                                          <p:attrName>style.visibility</p:attrName>
-                                        </p:attrNameLst>
-                                      </p:cBhvr>
-                                      <p:to>
-                                        <p:strVal val="visible"/>
-                                      </p:to>
-                                    </p:set>
-                                    <p:animEffect transition="in" filter="fade">
-                                      <p:cBhvr>
-                                        <p:cTn id="10" dur="500"/>
-                                        <p:tgtEl>
-                                          <p:spTgt spid="8"/>
                                         </p:tgtEl>
                                       </p:cBhvr>
                                     </p:animEffect>
